--- a/Text/Хорунженко_презентация_2_сем.pptx
+++ b/Text/Хорунженко_презентация_2_сем.pptx
@@ -272,7 +272,7 @@
           <a:p>
             <a:fld id="{2977B670-CD6F-44BD-91AC-635F81E02A72}" type="datetimeFigureOut">
               <a:rPr lang="en-US" smtClean="0"/>
-              <a:t>4/2/2023</a:t>
+              <a:t>11/19/2023</a:t>
             </a:fld>
             <a:endParaRPr lang="en-US"/>
           </a:p>
@@ -470,7 +470,7 @@
           <a:p>
             <a:fld id="{2977B670-CD6F-44BD-91AC-635F81E02A72}" type="datetimeFigureOut">
               <a:rPr lang="en-US" smtClean="0"/>
-              <a:t>4/2/2023</a:t>
+              <a:t>11/19/2023</a:t>
             </a:fld>
             <a:endParaRPr lang="en-US"/>
           </a:p>
@@ -678,7 +678,7 @@
           <a:p>
             <a:fld id="{2977B670-CD6F-44BD-91AC-635F81E02A72}" type="datetimeFigureOut">
               <a:rPr lang="en-US" smtClean="0"/>
-              <a:t>4/2/2023</a:t>
+              <a:t>11/19/2023</a:t>
             </a:fld>
             <a:endParaRPr lang="en-US"/>
           </a:p>
@@ -876,7 +876,7 @@
           <a:p>
             <a:fld id="{2977B670-CD6F-44BD-91AC-635F81E02A72}" type="datetimeFigureOut">
               <a:rPr lang="en-US" smtClean="0"/>
-              <a:t>4/2/2023</a:t>
+              <a:t>11/19/2023</a:t>
             </a:fld>
             <a:endParaRPr lang="en-US"/>
           </a:p>
@@ -1151,7 +1151,7 @@
           <a:p>
             <a:fld id="{2977B670-CD6F-44BD-91AC-635F81E02A72}" type="datetimeFigureOut">
               <a:rPr lang="en-US" smtClean="0"/>
-              <a:t>4/2/2023</a:t>
+              <a:t>11/19/2023</a:t>
             </a:fld>
             <a:endParaRPr lang="en-US"/>
           </a:p>
@@ -1416,7 +1416,7 @@
           <a:p>
             <a:fld id="{2977B670-CD6F-44BD-91AC-635F81E02A72}" type="datetimeFigureOut">
               <a:rPr lang="en-US" smtClean="0"/>
-              <a:t>4/2/2023</a:t>
+              <a:t>11/19/2023</a:t>
             </a:fld>
             <a:endParaRPr lang="en-US"/>
           </a:p>
@@ -1828,7 +1828,7 @@
           <a:p>
             <a:fld id="{2977B670-CD6F-44BD-91AC-635F81E02A72}" type="datetimeFigureOut">
               <a:rPr lang="en-US" smtClean="0"/>
-              <a:t>4/2/2023</a:t>
+              <a:t>11/19/2023</a:t>
             </a:fld>
             <a:endParaRPr lang="en-US"/>
           </a:p>
@@ -1969,7 +1969,7 @@
           <a:p>
             <a:fld id="{2977B670-CD6F-44BD-91AC-635F81E02A72}" type="datetimeFigureOut">
               <a:rPr lang="en-US" smtClean="0"/>
-              <a:t>4/2/2023</a:t>
+              <a:t>11/19/2023</a:t>
             </a:fld>
             <a:endParaRPr lang="en-US"/>
           </a:p>
@@ -2082,7 +2082,7 @@
           <a:p>
             <a:fld id="{2977B670-CD6F-44BD-91AC-635F81E02A72}" type="datetimeFigureOut">
               <a:rPr lang="en-US" smtClean="0"/>
-              <a:t>4/2/2023</a:t>
+              <a:t>11/19/2023</a:t>
             </a:fld>
             <a:endParaRPr lang="en-US"/>
           </a:p>
@@ -2393,7 +2393,7 @@
           <a:p>
             <a:fld id="{2977B670-CD6F-44BD-91AC-635F81E02A72}" type="datetimeFigureOut">
               <a:rPr lang="en-US" smtClean="0"/>
-              <a:t>4/2/2023</a:t>
+              <a:t>11/19/2023</a:t>
             </a:fld>
             <a:endParaRPr lang="en-US"/>
           </a:p>
@@ -2681,7 +2681,7 @@
           <a:p>
             <a:fld id="{2977B670-CD6F-44BD-91AC-635F81E02A72}" type="datetimeFigureOut">
               <a:rPr lang="en-US" smtClean="0"/>
-              <a:t>4/2/2023</a:t>
+              <a:t>11/19/2023</a:t>
             </a:fld>
             <a:endParaRPr lang="en-US"/>
           </a:p>
@@ -2922,7 +2922,7 @@
           <a:p>
             <a:fld id="{2977B670-CD6F-44BD-91AC-635F81E02A72}" type="datetimeFigureOut">
               <a:rPr lang="en-US" smtClean="0"/>
-              <a:t>4/2/2023</a:t>
+              <a:t>11/19/2023</a:t>
             </a:fld>
             <a:endParaRPr lang="en-US"/>
           </a:p>
@@ -3388,7 +3388,7 @@
                 <a:latin typeface="Times New Roman" panose="02020603050405020304" pitchFamily="18" charset="0"/>
                 <a:ea typeface="Calibri" panose="020F0502020204030204" pitchFamily="34" charset="0"/>
               </a:rPr>
-              <a:t>нейронных сетей для прогнозирования временных рядов</a:t>
+              <a:t>нейронных сетей для прогнозирования финансовых временных рядов</a:t>
             </a:r>
             <a:endParaRPr lang="en-US" sz="3400" b="1" dirty="0"/>
           </a:p>
